--- a/Slides/SLR_WL.pptx
+++ b/Slides/SLR_WL.pptx
@@ -270,7 +270,7 @@
               <a:pPr>
                 <a:defRPr/>
               </a:pPr>
-              <a:t>7/21/2016</a:t>
+              <a:t>7/24/2016</a:t>
             </a:fld>
             <a:endParaRPr lang="en-US"/>
           </a:p>
@@ -5398,9 +5398,16 @@
             </a:r>
             <a:r>
               <a:rPr lang="en-US" sz="3600" dirty="0" smtClean="0"/>
-              <a:t>“a non-flat (a slope) fits the data”</a:t>
-            </a:r>
-            <a:endParaRPr lang="en-US" sz="3600" dirty="0" smtClean="0"/>
+              <a:t>“a non-flat (a slope) </a:t>
+            </a:r>
+            <a:r>
+              <a:rPr lang="en-US" sz="3600" dirty="0" smtClean="0"/>
+              <a:t>line fits </a:t>
+            </a:r>
+            <a:r>
+              <a:rPr lang="en-US" sz="3600" dirty="0" smtClean="0"/>
+              <a:t>the data”</a:t>
+            </a:r>
           </a:p>
         </p:txBody>
       </p:sp>
@@ -5728,7 +5735,6 @@
               <a:rPr lang="en-US" sz="3600" dirty="0" smtClean="0"/>
               <a:t>“the two variables are related”</a:t>
             </a:r>
-            <a:endParaRPr lang="en-US" sz="3600" dirty="0" smtClean="0"/>
           </a:p>
         </p:txBody>
       </p:sp>
@@ -6821,7 +6827,7 @@
           <a:graphicData uri="http://schemas.openxmlformats.org/presentationml/2006/ole">
             <mc:AlternateContent xmlns:mc="http://schemas.openxmlformats.org/markup-compatibility/2006">
               <mc:Choice xmlns:v="urn:schemas-microsoft-com:vml" Requires="v">
-                <p:oleObj spid="_x0000_s2052" name="Equation" r:id="rId4" imgW="723586" imgH="228501" progId="Equation.3">
+                <p:oleObj spid="_x0000_s2054" name="Equation" r:id="rId4" imgW="723586" imgH="228501" progId="Equation.3">
                   <p:embed/>
                 </p:oleObj>
               </mc:Choice>
